--- a/Apresentações/Ferramentas CASE.pptx
+++ b/Apresentações/Ferramentas CASE.pptx
@@ -5467,7 +5467,7 @@
             </a:r>
             <a:r>
               <a:rPr lang="pt-PT" dirty="0" smtClean="0"/>
-              <a:t>Ferramenta CASE </a:t>
+              <a:t>Ferramentas CASE </a:t>
             </a:r>
             <a:r>
               <a:rPr lang="pt-PT" dirty="0" smtClean="0"/>
